--- a/Documents/기획서/스토리기획서(이게진짜).pptx
+++ b/Documents/기획서/스토리기획서(이게진짜).pptx
@@ -6,16 +6,17 @@
   </p:sldMasterIdLst>
   <p:sldIdLst>
     <p:sldId id="256" r:id="rId2"/>
-    <p:sldId id="257" r:id="rId3"/>
-    <p:sldId id="259" r:id="rId4"/>
-    <p:sldId id="262" r:id="rId5"/>
-    <p:sldId id="263" r:id="rId6"/>
-    <p:sldId id="264" r:id="rId7"/>
-    <p:sldId id="258" r:id="rId8"/>
-    <p:sldId id="260" r:id="rId9"/>
-    <p:sldId id="269" r:id="rId10"/>
-    <p:sldId id="267" r:id="rId11"/>
-    <p:sldId id="270" r:id="rId12"/>
+    <p:sldId id="271" r:id="rId3"/>
+    <p:sldId id="257" r:id="rId4"/>
+    <p:sldId id="259" r:id="rId5"/>
+    <p:sldId id="262" r:id="rId6"/>
+    <p:sldId id="263" r:id="rId7"/>
+    <p:sldId id="264" r:id="rId8"/>
+    <p:sldId id="258" r:id="rId9"/>
+    <p:sldId id="260" r:id="rId10"/>
+    <p:sldId id="269" r:id="rId11"/>
+    <p:sldId id="267" r:id="rId12"/>
+    <p:sldId id="270" r:id="rId13"/>
   </p:sldIdLst>
   <p:sldSz cx="12192000" cy="6858000"/>
   <p:notesSz cx="6858000" cy="9144000"/>
@@ -114,6 +115,11 @@
       </a:defRPr>
     </a:lvl9pPr>
   </p:defaultTextStyle>
+  <p:extLst>
+    <p:ext uri="{EFAFB233-063F-42B5-8137-9DF3F51BA10A}">
+      <p15:sldGuideLst xmlns:p15="http://schemas.microsoft.com/office/powerpoint/2012/main"/>
+    </p:ext>
+  </p:extLst>
 </p:presentation>
 </file>
 
@@ -264,7 +270,7 @@
           <a:p>
             <a:fld id="{371EF249-497C-4642-B5EB-36A1E538C991}" type="datetimeFigureOut">
               <a:rPr lang="ko-KR" altLang="en-US" smtClean="0"/>
-              <a:t>2024-08-12-Mon</a:t>
+              <a:t>2024-10-06-Sun</a:t>
             </a:fld>
             <a:endParaRPr lang="ko-KR" altLang="en-US"/>
           </a:p>
@@ -462,7 +468,7 @@
           <a:p>
             <a:fld id="{371EF249-497C-4642-B5EB-36A1E538C991}" type="datetimeFigureOut">
               <a:rPr lang="ko-KR" altLang="en-US" smtClean="0"/>
-              <a:t>2024-08-12-Mon</a:t>
+              <a:t>2024-10-06-Sun</a:t>
             </a:fld>
             <a:endParaRPr lang="ko-KR" altLang="en-US"/>
           </a:p>
@@ -670,7 +676,7 @@
           <a:p>
             <a:fld id="{371EF249-497C-4642-B5EB-36A1E538C991}" type="datetimeFigureOut">
               <a:rPr lang="ko-KR" altLang="en-US" smtClean="0"/>
-              <a:t>2024-08-12-Mon</a:t>
+              <a:t>2024-10-06-Sun</a:t>
             </a:fld>
             <a:endParaRPr lang="ko-KR" altLang="en-US"/>
           </a:p>
@@ -868,7 +874,7 @@
           <a:p>
             <a:fld id="{371EF249-497C-4642-B5EB-36A1E538C991}" type="datetimeFigureOut">
               <a:rPr lang="ko-KR" altLang="en-US" smtClean="0"/>
-              <a:t>2024-08-12-Mon</a:t>
+              <a:t>2024-10-06-Sun</a:t>
             </a:fld>
             <a:endParaRPr lang="ko-KR" altLang="en-US"/>
           </a:p>
@@ -1143,7 +1149,7 @@
           <a:p>
             <a:fld id="{371EF249-497C-4642-B5EB-36A1E538C991}" type="datetimeFigureOut">
               <a:rPr lang="ko-KR" altLang="en-US" smtClean="0"/>
-              <a:t>2024-08-12-Mon</a:t>
+              <a:t>2024-10-06-Sun</a:t>
             </a:fld>
             <a:endParaRPr lang="ko-KR" altLang="en-US"/>
           </a:p>
@@ -1408,7 +1414,7 @@
           <a:p>
             <a:fld id="{371EF249-497C-4642-B5EB-36A1E538C991}" type="datetimeFigureOut">
               <a:rPr lang="ko-KR" altLang="en-US" smtClean="0"/>
-              <a:t>2024-08-12-Mon</a:t>
+              <a:t>2024-10-06-Sun</a:t>
             </a:fld>
             <a:endParaRPr lang="ko-KR" altLang="en-US"/>
           </a:p>
@@ -1820,7 +1826,7 @@
           <a:p>
             <a:fld id="{371EF249-497C-4642-B5EB-36A1E538C991}" type="datetimeFigureOut">
               <a:rPr lang="ko-KR" altLang="en-US" smtClean="0"/>
-              <a:t>2024-08-12-Mon</a:t>
+              <a:t>2024-10-06-Sun</a:t>
             </a:fld>
             <a:endParaRPr lang="ko-KR" altLang="en-US"/>
           </a:p>
@@ -1961,7 +1967,7 @@
           <a:p>
             <a:fld id="{371EF249-497C-4642-B5EB-36A1E538C991}" type="datetimeFigureOut">
               <a:rPr lang="ko-KR" altLang="en-US" smtClean="0"/>
-              <a:t>2024-08-12-Mon</a:t>
+              <a:t>2024-10-06-Sun</a:t>
             </a:fld>
             <a:endParaRPr lang="ko-KR" altLang="en-US"/>
           </a:p>
@@ -2074,7 +2080,7 @@
           <a:p>
             <a:fld id="{371EF249-497C-4642-B5EB-36A1E538C991}" type="datetimeFigureOut">
               <a:rPr lang="ko-KR" altLang="en-US" smtClean="0"/>
-              <a:t>2024-08-12-Mon</a:t>
+              <a:t>2024-10-06-Sun</a:t>
             </a:fld>
             <a:endParaRPr lang="ko-KR" altLang="en-US"/>
           </a:p>
@@ -2385,7 +2391,7 @@
           <a:p>
             <a:fld id="{371EF249-497C-4642-B5EB-36A1E538C991}" type="datetimeFigureOut">
               <a:rPr lang="ko-KR" altLang="en-US" smtClean="0"/>
-              <a:t>2024-08-12-Mon</a:t>
+              <a:t>2024-10-06-Sun</a:t>
             </a:fld>
             <a:endParaRPr lang="ko-KR" altLang="en-US"/>
           </a:p>
@@ -2673,7 +2679,7 @@
           <a:p>
             <a:fld id="{371EF249-497C-4642-B5EB-36A1E538C991}" type="datetimeFigureOut">
               <a:rPr lang="ko-KR" altLang="en-US" smtClean="0"/>
-              <a:t>2024-08-12-Mon</a:t>
+              <a:t>2024-10-06-Sun</a:t>
             </a:fld>
             <a:endParaRPr lang="ko-KR" altLang="en-US"/>
           </a:p>
@@ -2914,7 +2920,7 @@
           <a:p>
             <a:fld id="{371EF249-497C-4642-B5EB-36A1E538C991}" type="datetimeFigureOut">
               <a:rPr lang="ko-KR" altLang="en-US" smtClean="0"/>
-              <a:t>2024-08-12-Mon</a:t>
+              <a:t>2024-10-06-Sun</a:t>
             </a:fld>
             <a:endParaRPr lang="ko-KR" altLang="en-US"/>
           </a:p>
@@ -3440,6 +3446,72 @@
         </p:nvSpPr>
         <p:spPr>
           <a:xfrm>
+            <a:off x="4711337" y="3136612"/>
+            <a:ext cx="2769325" cy="584775"/>
+          </a:xfrm>
+          <a:prstGeom prst="rect">
+            <a:avLst/>
+          </a:prstGeom>
+          <a:noFill/>
+        </p:spPr>
+        <p:txBody>
+          <a:bodyPr wrap="square">
+            <a:spAutoFit/>
+          </a:bodyPr>
+          <a:lstStyle/>
+          <a:p>
+            <a:pPr algn="ctr"/>
+            <a:r>
+              <a:rPr lang="ko-KR" altLang="en-US" sz="3200" dirty="0"/>
+              <a:t>기타</a:t>
+            </a:r>
+          </a:p>
+        </p:txBody>
+      </p:sp>
+    </p:spTree>
+    <p:extLst>
+      <p:ext uri="{BB962C8B-B14F-4D97-AF65-F5344CB8AC3E}">
+        <p14:creationId xmlns:p14="http://schemas.microsoft.com/office/powerpoint/2010/main" val="2245151811"/>
+      </p:ext>
+    </p:extLst>
+  </p:cSld>
+  <p:clrMapOvr>
+    <a:masterClrMapping/>
+  </p:clrMapOvr>
+</p:sld>
+</file>
+
+<file path=ppt/slides/slide11.xml><?xml version="1.0" encoding="utf-8"?>
+<p:sld xmlns:a="http://schemas.openxmlformats.org/drawingml/2006/main" xmlns:r="http://schemas.openxmlformats.org/officeDocument/2006/relationships" xmlns:p="http://schemas.openxmlformats.org/presentationml/2006/main">
+  <p:cSld>
+    <p:spTree>
+      <p:nvGrpSpPr>
+        <p:cNvPr id="1" name=""/>
+        <p:cNvGrpSpPr/>
+        <p:nvPr/>
+      </p:nvGrpSpPr>
+      <p:grpSpPr>
+        <a:xfrm>
+          <a:off x="0" y="0"/>
+          <a:ext cx="0" cy="0"/>
+          <a:chOff x="0" y="0"/>
+          <a:chExt cx="0" cy="0"/>
+        </a:xfrm>
+      </p:grpSpPr>
+      <p:sp>
+        <p:nvSpPr>
+          <p:cNvPr id="3" name="TextBox 2">
+            <a:extLst>
+              <a:ext uri="{FF2B5EF4-FFF2-40B4-BE49-F238E27FC236}">
+                <a16:creationId xmlns:a16="http://schemas.microsoft.com/office/drawing/2014/main" id="{C7D5ABD1-805B-3C6F-9D53-50549AA190FC}"/>
+              </a:ext>
+            </a:extLst>
+          </p:cNvPr>
+          <p:cNvSpPr txBox="1"/>
+          <p:nvPr/>
+        </p:nvSpPr>
+        <p:spPr>
+          <a:xfrm>
             <a:off x="1" y="0"/>
             <a:ext cx="2575248" cy="584775"/>
           </a:xfrm>
@@ -3842,7 +3914,7 @@
 </p:sld>
 </file>
 
-<file path=ppt/slides/slide11.xml><?xml version="1.0" encoding="utf-8"?>
+<file path=ppt/slides/slide12.xml><?xml version="1.0" encoding="utf-8"?>
 <p:sld xmlns:a="http://schemas.openxmlformats.org/drawingml/2006/main" xmlns:r="http://schemas.openxmlformats.org/officeDocument/2006/relationships" xmlns:p="http://schemas.openxmlformats.org/presentationml/2006/main">
   <p:cSld>
     <p:spTree>
@@ -4120,355 +4192,239 @@
       </p:grpSpPr>
       <p:sp>
         <p:nvSpPr>
-          <p:cNvPr id="8" name="TextBox 7">
-            <a:extLst>
-              <a:ext uri="{FF2B5EF4-FFF2-40B4-BE49-F238E27FC236}">
-                <a16:creationId xmlns:a16="http://schemas.microsoft.com/office/drawing/2014/main" id="{1734A7F8-9BDB-4B15-B15E-ACAA527AD9D9}"/>
-              </a:ext>
-            </a:extLst>
-          </p:cNvPr>
-          <p:cNvSpPr txBox="1"/>
-          <p:nvPr/>
-        </p:nvSpPr>
-        <p:spPr>
-          <a:xfrm>
-            <a:off x="0" y="129706"/>
-            <a:ext cx="10537371" cy="6494085"/>
-          </a:xfrm>
-          <a:prstGeom prst="rect">
-            <a:avLst/>
-          </a:prstGeom>
-          <a:noFill/>
-        </p:spPr>
-        <p:txBody>
-          <a:bodyPr wrap="square">
-            <a:spAutoFit/>
-          </a:bodyPr>
+          <p:cNvPr id="2" name="제목 1">
+            <a:extLst>
+              <a:ext uri="{FF2B5EF4-FFF2-40B4-BE49-F238E27FC236}">
+                <a16:creationId xmlns:a16="http://schemas.microsoft.com/office/drawing/2014/main" id="{D4D52202-FB65-4DC4-A461-1519F09F1D23}"/>
+              </a:ext>
+            </a:extLst>
+          </p:cNvPr>
+          <p:cNvSpPr>
+            <a:spLocks noGrp="1"/>
+          </p:cNvSpPr>
+          <p:nvPr>
+            <p:ph type="title"/>
+          </p:nvPr>
+        </p:nvSpPr>
+        <p:spPr/>
+        <p:txBody>
+          <a:bodyPr/>
           <a:lstStyle/>
           <a:p>
             <a:r>
-              <a:rPr lang="ko-KR" altLang="en-US" sz="1600" dirty="0"/>
-              <a:t>항상 스토리 "</a:t>
-            </a:r>
-            <a:r>
-              <a:rPr lang="ko-KR" altLang="en-US" sz="1600" dirty="0" err="1"/>
-              <a:t>시작"할</a:t>
-            </a:r>
-            <a:r>
-              <a:rPr lang="ko-KR" altLang="en-US" sz="1600" dirty="0"/>
-              <a:t> 때 고정요건</a:t>
-            </a:r>
-          </a:p>
-          <a:p>
-            <a:endParaRPr lang="ko-KR" altLang="en-US" sz="1600" dirty="0"/>
-          </a:p>
-          <a:p>
-            <a:r>
-              <a:rPr lang="ko-KR" altLang="en-US" sz="1600" dirty="0"/>
-              <a:t>고정1. 잠에서 깨어난 듯이 일어나면서 시작</a:t>
-            </a:r>
-          </a:p>
-          <a:p>
-            <a:r>
-              <a:rPr lang="ko-KR" altLang="en-US" sz="1600" dirty="0"/>
-              <a:t> 이유 : 사실상 꿈이라고 가정하고 스토리가 </a:t>
-            </a:r>
-            <a:r>
-              <a:rPr lang="ko-KR" altLang="en-US" sz="1600" dirty="0" err="1"/>
-              <a:t>시작되는건데</a:t>
-            </a:r>
-            <a:endParaRPr lang="ko-KR" altLang="en-US" sz="1600" dirty="0"/>
-          </a:p>
-          <a:p>
-            <a:r>
-              <a:rPr lang="ko-KR" altLang="en-US" sz="1600" dirty="0"/>
-              <a:t>          우리가 꿈을 꾸면서 어디부터 시작지점인지 모르기 때문</a:t>
-            </a:r>
-          </a:p>
-          <a:p>
-            <a:r>
-              <a:rPr lang="ko-KR" altLang="en-US" sz="1600" dirty="0"/>
-              <a:t>          잘 생각해보면 "어디서부터 꿈이 시작되었다" 이런 게 없어요</a:t>
-            </a:r>
-          </a:p>
-          <a:p>
-            <a:r>
-              <a:rPr lang="ko-KR" altLang="en-US" sz="1600" dirty="0"/>
-              <a:t>    (결과적으로 바로 본론으로 들어가는 강점이 됨)</a:t>
-            </a:r>
-            <a:endParaRPr lang="en-US" altLang="ko-KR" sz="1600" dirty="0"/>
-          </a:p>
-          <a:p>
-            <a:endParaRPr lang="ko-KR" altLang="en-US" sz="1600" dirty="0"/>
-          </a:p>
-          <a:p>
-            <a:r>
-              <a:rPr lang="ko-KR" altLang="en-US" sz="1600" dirty="0">
-                <a:solidFill>
-                  <a:schemeClr val="accent1">
-                    <a:lumMod val="75000"/>
-                  </a:schemeClr>
-                </a:solidFill>
-              </a:rPr>
-              <a:t>=&gt;여기서 '</a:t>
-            </a:r>
-            <a:r>
-              <a:rPr lang="ko-KR" altLang="en-US" sz="1600" dirty="0" err="1">
-                <a:solidFill>
-                  <a:schemeClr val="accent1">
-                    <a:lumMod val="75000"/>
-                  </a:schemeClr>
-                </a:solidFill>
-              </a:rPr>
-              <a:t>꿈'이란</a:t>
-            </a:r>
-            <a:r>
-              <a:rPr lang="ko-KR" altLang="en-US" sz="1600" dirty="0">
-                <a:solidFill>
-                  <a:schemeClr val="accent1">
-                    <a:lumMod val="75000"/>
-                  </a:schemeClr>
-                </a:solidFill>
-              </a:rPr>
-              <a:t> 인격이 바뀌고 원래 인격이 잠들어 있는 동안 꿈을 꾸는 현상이 발생하는 것</a:t>
-            </a:r>
-          </a:p>
-          <a:p>
-            <a:r>
-              <a:rPr lang="ko-KR" altLang="en-US" sz="1600" dirty="0">
-                <a:solidFill>
-                  <a:schemeClr val="accent1">
-                    <a:lumMod val="75000"/>
-                  </a:schemeClr>
-                </a:solidFill>
-              </a:rPr>
-              <a:t>=&gt;꿈 내용은 각 다중인격의 성격에 맞게 혹은 주인공이 두려워하는 것들이 </a:t>
-            </a:r>
-            <a:r>
-              <a:rPr lang="ko-KR" altLang="en-US" sz="1600" b="1" u="sng" dirty="0">
-                <a:solidFill>
-                  <a:schemeClr val="accent1">
-                    <a:lumMod val="75000"/>
-                  </a:schemeClr>
-                </a:solidFill>
-              </a:rPr>
-              <a:t>'</a:t>
-            </a:r>
-            <a:r>
-              <a:rPr lang="ko-KR" altLang="en-US" sz="1600" b="1" u="sng" dirty="0" err="1">
-                <a:solidFill>
-                  <a:schemeClr val="accent1">
-                    <a:lumMod val="75000"/>
-                  </a:schemeClr>
-                </a:solidFill>
-              </a:rPr>
-              <a:t>연극'의</a:t>
-            </a:r>
-            <a:r>
-              <a:rPr lang="ko-KR" altLang="en-US" sz="1600" b="1" u="sng" dirty="0">
-                <a:solidFill>
-                  <a:schemeClr val="accent1">
-                    <a:lumMod val="75000"/>
-                  </a:schemeClr>
-                </a:solidFill>
-              </a:rPr>
-              <a:t> 형태로 표현 </a:t>
-            </a:r>
-            <a:r>
-              <a:rPr lang="ko-KR" altLang="en-US" sz="1600" dirty="0">
-                <a:solidFill>
-                  <a:schemeClr val="accent1">
-                    <a:lumMod val="75000"/>
-                  </a:schemeClr>
-                </a:solidFill>
-              </a:rPr>
-              <a:t>됨</a:t>
-            </a:r>
-          </a:p>
-          <a:p>
-            <a:r>
-              <a:rPr lang="ko-KR" altLang="en-US" sz="1600" dirty="0">
-                <a:solidFill>
-                  <a:schemeClr val="accent1">
-                    <a:lumMod val="75000"/>
-                  </a:schemeClr>
-                </a:solidFill>
-              </a:rPr>
-              <a:t>=&gt;꿈을 깨기 위해서, 본래 인격으로 돌아가기 위해서는 연극 내에서 퍼즐을 풀어야 함</a:t>
-            </a:r>
-          </a:p>
-          <a:p>
-            <a:endParaRPr lang="ko-KR" altLang="en-US" sz="1600" dirty="0"/>
-          </a:p>
-          <a:p>
-            <a:r>
-              <a:rPr lang="ko-KR" altLang="en-US" sz="1600" dirty="0"/>
-              <a:t>고정2. 배경은 어둡고 습한 여름 및 빗줄기가 내리는 날씨</a:t>
-            </a:r>
-          </a:p>
-          <a:p>
-            <a:r>
-              <a:rPr lang="ko-KR" altLang="en-US" sz="1600" dirty="0"/>
-              <a:t> 출시일자 생각하면 습한 </a:t>
-            </a:r>
-            <a:r>
-              <a:rPr lang="ko-KR" altLang="en-US" sz="1600" dirty="0" err="1"/>
-              <a:t>여름말고</a:t>
-            </a:r>
-            <a:r>
-              <a:rPr lang="ko-KR" altLang="en-US" sz="1600" dirty="0"/>
-              <a:t> 한기 돋는 겨울로도 괜찮음</a:t>
-            </a:r>
-            <a:endParaRPr lang="en-US" altLang="ko-KR" sz="1600" dirty="0"/>
-          </a:p>
-          <a:p>
-            <a:endParaRPr lang="ko-KR" altLang="en-US" sz="1600" dirty="0"/>
-          </a:p>
-          <a:p>
-            <a:r>
-              <a:rPr lang="ko-KR" altLang="en-US" sz="1600" dirty="0">
-                <a:solidFill>
-                  <a:schemeClr val="accent1">
-                    <a:lumMod val="75000"/>
-                  </a:schemeClr>
-                </a:solidFill>
-              </a:rPr>
-              <a:t>=&gt;날씨에 맞게 녹슨 철, 곰팡이, 거미줄이 있는 낡은 고층 오피스텔이 배경에 주 테마</a:t>
-            </a:r>
-          </a:p>
-          <a:p>
-            <a:r>
-              <a:rPr lang="ko-KR" altLang="en-US" sz="1600" dirty="0">
-                <a:solidFill>
-                  <a:schemeClr val="accent1">
-                    <a:lumMod val="75000"/>
-                  </a:schemeClr>
-                </a:solidFill>
-              </a:rPr>
-              <a:t>=&gt;비소리와 비 이펙트 필요</a:t>
-            </a:r>
-          </a:p>
-          <a:p>
-            <a:endParaRPr lang="ko-KR" altLang="en-US" sz="1600" dirty="0"/>
-          </a:p>
-          <a:p>
-            <a:r>
-              <a:rPr lang="ko-KR" altLang="en-US" sz="1600" dirty="0"/>
-              <a:t>고정3. 항상 </a:t>
-            </a:r>
-            <a:r>
-              <a:rPr lang="ko-KR" altLang="en-US" sz="1600" dirty="0" err="1"/>
-              <a:t>클리셰가</a:t>
-            </a:r>
-            <a:r>
-              <a:rPr lang="ko-KR" altLang="en-US" sz="1600" dirty="0"/>
-              <a:t> {실외(혹은 방안) 시작}  -&gt; 실내(복도 및 </a:t>
-            </a:r>
-            <a:r>
-              <a:rPr lang="ko-KR" altLang="en-US" sz="1600" dirty="0" err="1"/>
-              <a:t>다른방</a:t>
-            </a:r>
-            <a:r>
-              <a:rPr lang="ko-KR" altLang="en-US" sz="1600" dirty="0"/>
-              <a:t> 탐방) 의 구도를 가짐</a:t>
-            </a:r>
-            <a:endParaRPr lang="en-US" altLang="ko-KR" sz="1600" dirty="0"/>
-          </a:p>
-          <a:p>
-            <a:endParaRPr lang="ko-KR" altLang="en-US" sz="1600" dirty="0"/>
-          </a:p>
-          <a:p>
-            <a:r>
-              <a:rPr lang="ko-KR" altLang="en-US" sz="1600" dirty="0">
-                <a:solidFill>
-                  <a:schemeClr val="accent1">
-                    <a:lumMod val="75000"/>
-                  </a:schemeClr>
-                </a:solidFill>
-              </a:rPr>
-              <a:t>=&gt;제작해야 할 게임 플레이 공간은 2가지 원룸 형태의 방, 오피스텔의 복도, 계단, 엔딩 야외 4종류</a:t>
-            </a:r>
-          </a:p>
-          <a:p>
-            <a:endParaRPr lang="ko-KR" altLang="en-US" sz="1600" dirty="0"/>
-          </a:p>
-          <a:p>
-            <a:r>
-              <a:rPr lang="ko-KR" altLang="en-US" sz="1600" dirty="0"/>
-              <a:t>고정4. 누군가 보이지는 않지만 계속 캐릭터를 주시하고 있음</a:t>
-            </a:r>
-            <a:endParaRPr lang="en-US" altLang="ko-KR" sz="1600" dirty="0"/>
-          </a:p>
-          <a:p>
-            <a:endParaRPr lang="ko-KR" altLang="en-US" sz="1600" dirty="0"/>
-          </a:p>
-          <a:p>
-            <a:r>
-              <a:rPr lang="ko-KR" altLang="en-US" sz="1600" dirty="0">
-                <a:solidFill>
-                  <a:schemeClr val="accent1">
-                    <a:lumMod val="75000"/>
-                  </a:schemeClr>
-                </a:solidFill>
-              </a:rPr>
-              <a:t>=&gt;주인공은 사실 정신과에서 최면 치료를 받는 중</a:t>
-            </a:r>
-            <a:r>
-              <a:rPr lang="en-US" altLang="ko-KR" sz="1600" dirty="0">
-                <a:solidFill>
-                  <a:schemeClr val="accent1">
-                    <a:lumMod val="75000"/>
-                  </a:schemeClr>
-                </a:solidFill>
-              </a:rPr>
-              <a:t>, </a:t>
-            </a:r>
-            <a:r>
-              <a:rPr lang="ko-KR" altLang="en-US" sz="1600" dirty="0">
-                <a:solidFill>
-                  <a:schemeClr val="accent1">
-                    <a:lumMod val="75000"/>
-                  </a:schemeClr>
-                </a:solidFill>
-              </a:rPr>
-              <a:t>오피스텔에서 탈출이란 치료의 끝을 의미</a:t>
-            </a:r>
-            <a:r>
-              <a:rPr lang="en-US" altLang="ko-KR" sz="1600" dirty="0">
-                <a:solidFill>
-                  <a:schemeClr val="accent1">
-                    <a:lumMod val="75000"/>
-                  </a:schemeClr>
-                </a:solidFill>
-              </a:rPr>
-              <a:t>.</a:t>
-            </a:r>
-          </a:p>
-          <a:p>
-            <a:r>
-              <a:rPr lang="ko-KR" altLang="en-US" sz="1600" dirty="0">
-                <a:solidFill>
-                  <a:schemeClr val="accent1">
-                    <a:lumMod val="75000"/>
-                  </a:schemeClr>
-                </a:solidFill>
-              </a:rPr>
-              <a:t>오피스텔이 부분적으로 삭제되어 있는 것은 주인공에게 그 부분의 기억이 없기 때문</a:t>
-            </a:r>
-            <a:endParaRPr lang="en-US" altLang="ko-KR" sz="1600" dirty="0">
-              <a:solidFill>
-                <a:schemeClr val="accent1">
-                  <a:lumMod val="75000"/>
-                </a:schemeClr>
-              </a:solidFill>
-            </a:endParaRPr>
+              <a:rPr lang="ko-KR" altLang="en-US" dirty="0"/>
+              <a:t>수정요건</a:t>
+            </a:r>
+          </a:p>
+        </p:txBody>
+      </p:sp>
+      <p:sp>
+        <p:nvSpPr>
+          <p:cNvPr id="3" name="내용 개체 틀 2">
+            <a:extLst>
+              <a:ext uri="{FF2B5EF4-FFF2-40B4-BE49-F238E27FC236}">
+                <a16:creationId xmlns:a16="http://schemas.microsoft.com/office/drawing/2014/main" id="{81335488-CC82-4DAB-B9E7-7B12F951B18B}"/>
+              </a:ext>
+            </a:extLst>
+          </p:cNvPr>
+          <p:cNvSpPr>
+            <a:spLocks noGrp="1"/>
+          </p:cNvSpPr>
+          <p:nvPr>
+            <p:ph idx="1"/>
+          </p:nvPr>
+        </p:nvSpPr>
+        <p:spPr/>
+        <p:txBody>
+          <a:bodyPr/>
+          <a:lstStyle/>
+          <a:p>
+            <a:pPr marL="514350" indent="-514350">
+              <a:buAutoNum type="arabicPeriod"/>
+            </a:pPr>
+            <a:r>
+              <a:rPr lang="en-US" altLang="ko-KR" dirty="0"/>
+              <a:t>1</a:t>
+            </a:r>
+            <a:r>
+              <a:rPr lang="ko-KR" altLang="en-US" dirty="0"/>
+              <a:t>인칭 시점으로 전환 </a:t>
+            </a:r>
+            <a:r>
+              <a:rPr lang="en-US" altLang="ko-KR" dirty="0"/>
+              <a:t>(3</a:t>
+            </a:r>
+            <a:r>
+              <a:rPr lang="ko-KR" altLang="en-US" dirty="0"/>
+              <a:t>인칭 게임 시 답답함 느낄 수 있음</a:t>
+            </a:r>
+            <a:r>
+              <a:rPr lang="en-US" altLang="ko-KR" dirty="0"/>
+              <a:t>)</a:t>
+            </a:r>
+            <a:br>
+              <a:rPr lang="en-US" altLang="ko-KR" dirty="0"/>
+            </a:br>
+            <a:r>
+              <a:rPr lang="ko-KR" altLang="en-US" dirty="0" err="1"/>
+              <a:t>ㄴ플레이</a:t>
+            </a:r>
+            <a:r>
+              <a:rPr lang="ko-KR" altLang="en-US" dirty="0"/>
+              <a:t> 시 답답하지 않게 </a:t>
+            </a:r>
+            <a:r>
+              <a:rPr lang="en-US" altLang="ko-KR" dirty="0"/>
+              <a:t>(</a:t>
+            </a:r>
+            <a:r>
+              <a:rPr lang="ko-KR" altLang="en-US" dirty="0"/>
+              <a:t>카메라 </a:t>
+            </a:r>
+            <a:r>
+              <a:rPr lang="ko-KR" altLang="en-US" dirty="0" err="1"/>
+              <a:t>휘청</a:t>
+            </a:r>
+            <a:r>
+              <a:rPr lang="en-US" altLang="ko-KR" dirty="0"/>
+              <a:t>x)</a:t>
+            </a:r>
+          </a:p>
+          <a:p>
+            <a:pPr marL="514350" indent="-514350">
+              <a:buAutoNum type="arabicPeriod"/>
+            </a:pPr>
+            <a:r>
+              <a:rPr lang="ko-KR" altLang="en-US" dirty="0"/>
+              <a:t>너무 어둡게는 </a:t>
+            </a:r>
+            <a:r>
+              <a:rPr lang="ko-KR" altLang="en-US" dirty="0" err="1"/>
+              <a:t>하지말자</a:t>
+            </a:r>
+            <a:r>
+              <a:rPr lang="ko-KR" altLang="en-US" dirty="0"/>
+              <a:t> </a:t>
+            </a:r>
+            <a:r>
+              <a:rPr lang="en-US" altLang="ko-KR" dirty="0"/>
+              <a:t>(</a:t>
+            </a:r>
+            <a:r>
+              <a:rPr lang="ko-KR" altLang="en-US" dirty="0"/>
+              <a:t>적당히</a:t>
+            </a:r>
+            <a:r>
+              <a:rPr lang="en-US" altLang="ko-KR" dirty="0"/>
+              <a:t> </a:t>
+            </a:r>
+            <a:r>
+              <a:rPr lang="ko-KR" altLang="en-US" dirty="0"/>
+              <a:t>밝게</a:t>
+            </a:r>
+            <a:r>
+              <a:rPr lang="en-US" altLang="ko-KR" dirty="0"/>
+              <a:t>)</a:t>
+            </a:r>
+          </a:p>
+          <a:p>
+            <a:pPr marL="514350" indent="-514350">
+              <a:buAutoNum type="arabicPeriod"/>
+            </a:pPr>
+            <a:r>
+              <a:rPr lang="ko-KR" altLang="en-US" dirty="0"/>
+              <a:t>종이</a:t>
+            </a:r>
+            <a:r>
+              <a:rPr lang="en-US" altLang="ko-KR" dirty="0"/>
+              <a:t> </a:t>
+            </a:r>
+            <a:r>
+              <a:rPr lang="ko-KR" altLang="en-US" dirty="0"/>
+              <a:t>지도 </a:t>
+            </a:r>
+            <a:r>
+              <a:rPr lang="en-US" altLang="ko-KR" dirty="0"/>
+              <a:t>(</a:t>
+            </a:r>
+            <a:r>
+              <a:rPr lang="ko-KR" altLang="en-US" dirty="0" err="1"/>
+              <a:t>미니맵</a:t>
+            </a:r>
+            <a:r>
+              <a:rPr lang="ko-KR" altLang="en-US" dirty="0"/>
+              <a:t> 우측상단</a:t>
+            </a:r>
+            <a:r>
+              <a:rPr lang="en-US" altLang="ko-KR" dirty="0"/>
+              <a:t>) = </a:t>
+            </a:r>
+            <a:r>
+              <a:rPr lang="ko-KR" altLang="en-US" dirty="0"/>
+              <a:t>문을 열면 </a:t>
+            </a:r>
+            <a:r>
+              <a:rPr lang="ko-KR" altLang="en-US" dirty="0" err="1"/>
+              <a:t>미니맵</a:t>
+            </a:r>
+            <a:r>
+              <a:rPr lang="ko-KR" altLang="en-US" dirty="0"/>
+              <a:t> 업데이트★</a:t>
+            </a:r>
+            <a:endParaRPr lang="en-US" altLang="ko-KR" dirty="0"/>
+          </a:p>
+          <a:p>
+            <a:pPr marL="514350" indent="-514350">
+              <a:buAutoNum type="arabicPeriod"/>
+            </a:pPr>
+            <a:r>
+              <a:rPr lang="en-US" altLang="ko-KR" dirty="0"/>
+              <a:t>UI</a:t>
+            </a:r>
+            <a:r>
+              <a:rPr lang="ko-KR" altLang="en-US" dirty="0"/>
+              <a:t>를 좀 </a:t>
+            </a:r>
+            <a:r>
+              <a:rPr lang="ko-KR" altLang="en-US" dirty="0" err="1"/>
+              <a:t>안가리게</a:t>
+            </a:r>
+            <a:r>
+              <a:rPr lang="ko-KR" altLang="en-US" dirty="0"/>
+              <a:t> 깔끔하게</a:t>
+            </a:r>
+            <a:endParaRPr lang="en-US" altLang="ko-KR" dirty="0"/>
+          </a:p>
+          <a:p>
+            <a:pPr marL="514350" indent="-514350">
+              <a:buAutoNum type="arabicPeriod"/>
+            </a:pPr>
+            <a:r>
+              <a:rPr lang="ko-KR" altLang="en-US" dirty="0"/>
+              <a:t>퍼즐게임은 템포를 늦춤</a:t>
+            </a:r>
+            <a:endParaRPr lang="en-US" altLang="ko-KR" dirty="0"/>
+          </a:p>
+          <a:p>
+            <a:pPr marL="514350" indent="-514350">
+              <a:buAutoNum type="arabicPeriod"/>
+            </a:pPr>
+            <a:r>
+              <a:rPr lang="ko-KR" altLang="en-US" dirty="0"/>
+              <a:t>설정에는 화면 밝기도 </a:t>
+            </a:r>
+            <a:r>
+              <a:rPr lang="ko-KR" altLang="en-US"/>
+              <a:t>만들어놓자</a:t>
+            </a:r>
+            <a:endParaRPr lang="ko-KR" altLang="en-US" dirty="0"/>
           </a:p>
         </p:txBody>
       </p:sp>
     </p:spTree>
     <p:extLst>
       <p:ext uri="{BB962C8B-B14F-4D97-AF65-F5344CB8AC3E}">
-        <p14:creationId xmlns:p14="http://schemas.microsoft.com/office/powerpoint/2010/main" val="1861308650"/>
+        <p14:creationId xmlns:p14="http://schemas.microsoft.com/office/powerpoint/2010/main" val="2093260962"/>
       </p:ext>
     </p:extLst>
   </p:cSld>
@@ -4497,10 +4453,10 @@
       </p:grpSpPr>
       <p:sp>
         <p:nvSpPr>
-          <p:cNvPr id="4" name="TextBox 3">
-            <a:extLst>
-              <a:ext uri="{FF2B5EF4-FFF2-40B4-BE49-F238E27FC236}">
-                <a16:creationId xmlns:a16="http://schemas.microsoft.com/office/drawing/2014/main" id="{2D7A2716-A867-44C2-A445-1D1DFC57A1A9}"/>
+          <p:cNvPr id="8" name="TextBox 7">
+            <a:extLst>
+              <a:ext uri="{FF2B5EF4-FFF2-40B4-BE49-F238E27FC236}">
+                <a16:creationId xmlns:a16="http://schemas.microsoft.com/office/drawing/2014/main" id="{1734A7F8-9BDB-4B15-B15E-ACAA527AD9D9}"/>
               </a:ext>
             </a:extLst>
           </p:cNvPr>
@@ -4509,8 +4465,8 @@
         </p:nvSpPr>
         <p:spPr>
           <a:xfrm>
-            <a:off x="78378" y="1166842"/>
-            <a:ext cx="9788434" cy="3139321"/>
+            <a:off x="0" y="129706"/>
+            <a:ext cx="10537371" cy="6494085"/>
           </a:xfrm>
           <a:prstGeom prst="rect">
             <a:avLst/>
@@ -4524,184 +4480,328 @@
           <a:lstStyle/>
           <a:p>
             <a:r>
-              <a:rPr lang="ko-KR" altLang="en-US" sz="1800" b="1" dirty="0"/>
-              <a:t>말하고 싶은 주제</a:t>
-            </a:r>
-            <a:endParaRPr lang="en-US" altLang="ko-KR" sz="1800" b="1" dirty="0"/>
-          </a:p>
-          <a:p>
-            <a:r>
-              <a:rPr lang="ko-KR" altLang="en-US" sz="1800" dirty="0"/>
-              <a:t>우리는 살아가면서 많은 상황을 겪고</a:t>
-            </a:r>
-            <a:r>
-              <a:rPr lang="en-US" altLang="ko-KR" sz="1800" dirty="0"/>
+              <a:rPr lang="ko-KR" altLang="en-US" sz="1600" dirty="0"/>
+              <a:t>항상 스토리 "</a:t>
+            </a:r>
+            <a:r>
+              <a:rPr lang="ko-KR" altLang="en-US" sz="1600" dirty="0" err="1"/>
+              <a:t>시작"할</a:t>
+            </a:r>
+            <a:r>
+              <a:rPr lang="ko-KR" altLang="en-US" sz="1600" dirty="0"/>
+              <a:t> 때 고정요건</a:t>
+            </a:r>
+          </a:p>
+          <a:p>
+            <a:endParaRPr lang="ko-KR" altLang="en-US" sz="1600" dirty="0"/>
+          </a:p>
+          <a:p>
+            <a:r>
+              <a:rPr lang="ko-KR" altLang="en-US" sz="1600" dirty="0"/>
+              <a:t>고정1. 잠에서 깨어난 듯이 일어나면서 시작</a:t>
+            </a:r>
+          </a:p>
+          <a:p>
+            <a:r>
+              <a:rPr lang="ko-KR" altLang="en-US" sz="1600" dirty="0"/>
+              <a:t> 이유 : 사실상 꿈이라고 가정하고 스토리가 </a:t>
+            </a:r>
+            <a:r>
+              <a:rPr lang="ko-KR" altLang="en-US" sz="1600" dirty="0" err="1"/>
+              <a:t>시작되는건데</a:t>
+            </a:r>
+            <a:endParaRPr lang="ko-KR" altLang="en-US" sz="1600" dirty="0"/>
+          </a:p>
+          <a:p>
+            <a:r>
+              <a:rPr lang="ko-KR" altLang="en-US" sz="1600" dirty="0"/>
+              <a:t>          우리가 꿈을 꾸면서 어디부터 시작지점인지 모르기 때문</a:t>
+            </a:r>
+          </a:p>
+          <a:p>
+            <a:r>
+              <a:rPr lang="ko-KR" altLang="en-US" sz="1600" dirty="0"/>
+              <a:t>          잘 생각해보면 "어디서부터 꿈이 시작되었다" 이런 게 없어요</a:t>
+            </a:r>
+          </a:p>
+          <a:p>
+            <a:r>
+              <a:rPr lang="ko-KR" altLang="en-US" sz="1600" dirty="0"/>
+              <a:t>    (결과적으로 바로 본론으로 들어가는 강점이 됨)</a:t>
+            </a:r>
+            <a:endParaRPr lang="en-US" altLang="ko-KR" sz="1600" dirty="0"/>
+          </a:p>
+          <a:p>
+            <a:endParaRPr lang="ko-KR" altLang="en-US" sz="1600" dirty="0"/>
+          </a:p>
+          <a:p>
+            <a:r>
+              <a:rPr lang="ko-KR" altLang="en-US" sz="1600" dirty="0">
+                <a:solidFill>
+                  <a:schemeClr val="accent1">
+                    <a:lumMod val="75000"/>
+                  </a:schemeClr>
+                </a:solidFill>
+              </a:rPr>
+              <a:t>=&gt;여기서 '</a:t>
+            </a:r>
+            <a:r>
+              <a:rPr lang="ko-KR" altLang="en-US" sz="1600" dirty="0" err="1">
+                <a:solidFill>
+                  <a:schemeClr val="accent1">
+                    <a:lumMod val="75000"/>
+                  </a:schemeClr>
+                </a:solidFill>
+              </a:rPr>
+              <a:t>꿈'이란</a:t>
+            </a:r>
+            <a:r>
+              <a:rPr lang="ko-KR" altLang="en-US" sz="1600" dirty="0">
+                <a:solidFill>
+                  <a:schemeClr val="accent1">
+                    <a:lumMod val="75000"/>
+                  </a:schemeClr>
+                </a:solidFill>
+              </a:rPr>
+              <a:t> 인격이 바뀌고 원래 인격이 잠들어 있는 동안 꿈을 꾸는 현상이 발생하는 것</a:t>
+            </a:r>
+          </a:p>
+          <a:p>
+            <a:r>
+              <a:rPr lang="ko-KR" altLang="en-US" sz="1600" dirty="0">
+                <a:solidFill>
+                  <a:schemeClr val="accent1">
+                    <a:lumMod val="75000"/>
+                  </a:schemeClr>
+                </a:solidFill>
+              </a:rPr>
+              <a:t>=&gt;꿈 내용은 각 다중인격의 성격에 맞게 혹은 주인공이 두려워하는 것들이 </a:t>
+            </a:r>
+            <a:r>
+              <a:rPr lang="ko-KR" altLang="en-US" sz="1600" b="1" u="sng" dirty="0">
+                <a:solidFill>
+                  <a:schemeClr val="accent1">
+                    <a:lumMod val="75000"/>
+                  </a:schemeClr>
+                </a:solidFill>
+              </a:rPr>
+              <a:t>'</a:t>
+            </a:r>
+            <a:r>
+              <a:rPr lang="ko-KR" altLang="en-US" sz="1600" b="1" u="sng" dirty="0" err="1">
+                <a:solidFill>
+                  <a:schemeClr val="accent1">
+                    <a:lumMod val="75000"/>
+                  </a:schemeClr>
+                </a:solidFill>
+              </a:rPr>
+              <a:t>연극'의</a:t>
+            </a:r>
+            <a:r>
+              <a:rPr lang="ko-KR" altLang="en-US" sz="1600" b="1" u="sng" dirty="0">
+                <a:solidFill>
+                  <a:schemeClr val="accent1">
+                    <a:lumMod val="75000"/>
+                  </a:schemeClr>
+                </a:solidFill>
+              </a:rPr>
+              <a:t> 형태로 표현 </a:t>
+            </a:r>
+            <a:r>
+              <a:rPr lang="ko-KR" altLang="en-US" sz="1600" dirty="0">
+                <a:solidFill>
+                  <a:schemeClr val="accent1">
+                    <a:lumMod val="75000"/>
+                  </a:schemeClr>
+                </a:solidFill>
+              </a:rPr>
+              <a:t>됨</a:t>
+            </a:r>
+          </a:p>
+          <a:p>
+            <a:r>
+              <a:rPr lang="ko-KR" altLang="en-US" sz="1600" dirty="0">
+                <a:solidFill>
+                  <a:schemeClr val="accent1">
+                    <a:lumMod val="75000"/>
+                  </a:schemeClr>
+                </a:solidFill>
+              </a:rPr>
+              <a:t>=&gt;꿈을 깨기 위해서, 본래 인격으로 돌아가기 위해서는 연극 내에서 퍼즐을 풀어야 함</a:t>
+            </a:r>
+          </a:p>
+          <a:p>
+            <a:endParaRPr lang="ko-KR" altLang="en-US" sz="1600" dirty="0"/>
+          </a:p>
+          <a:p>
+            <a:r>
+              <a:rPr lang="ko-KR" altLang="en-US" sz="1600" dirty="0"/>
+              <a:t>고정2. 배경은 어둡고 습한 여름 및 빗줄기가 내리는 날씨</a:t>
+            </a:r>
+          </a:p>
+          <a:p>
+            <a:r>
+              <a:rPr lang="ko-KR" altLang="en-US" sz="1600" dirty="0"/>
+              <a:t> 출시일자 생각하면 습한 </a:t>
+            </a:r>
+            <a:r>
+              <a:rPr lang="ko-KR" altLang="en-US" sz="1600" dirty="0" err="1"/>
+              <a:t>여름말고</a:t>
+            </a:r>
+            <a:r>
+              <a:rPr lang="ko-KR" altLang="en-US" sz="1600" dirty="0"/>
+              <a:t> 한기 돋는 겨울로도 괜찮음</a:t>
+            </a:r>
+            <a:endParaRPr lang="en-US" altLang="ko-KR" sz="1600" dirty="0"/>
+          </a:p>
+          <a:p>
+            <a:endParaRPr lang="ko-KR" altLang="en-US" sz="1600" dirty="0"/>
+          </a:p>
+          <a:p>
+            <a:r>
+              <a:rPr lang="ko-KR" altLang="en-US" sz="1600" dirty="0">
+                <a:solidFill>
+                  <a:schemeClr val="accent1">
+                    <a:lumMod val="75000"/>
+                  </a:schemeClr>
+                </a:solidFill>
+              </a:rPr>
+              <a:t>=&gt;날씨에 맞게 녹슨 철, 곰팡이, 거미줄이 있는 낡은 고층 오피스텔이 배경에 주 테마</a:t>
+            </a:r>
+          </a:p>
+          <a:p>
+            <a:r>
+              <a:rPr lang="ko-KR" altLang="en-US" sz="1600" dirty="0">
+                <a:solidFill>
+                  <a:schemeClr val="accent1">
+                    <a:lumMod val="75000"/>
+                  </a:schemeClr>
+                </a:solidFill>
+              </a:rPr>
+              <a:t>=&gt;비소리와 비 이펙트 필요</a:t>
+            </a:r>
+          </a:p>
+          <a:p>
+            <a:endParaRPr lang="ko-KR" altLang="en-US" sz="1600" dirty="0"/>
+          </a:p>
+          <a:p>
+            <a:r>
+              <a:rPr lang="ko-KR" altLang="en-US" sz="1600" dirty="0"/>
+              <a:t>고정3. 항상 </a:t>
+            </a:r>
+            <a:r>
+              <a:rPr lang="ko-KR" altLang="en-US" sz="1600" dirty="0" err="1"/>
+              <a:t>클리셰가</a:t>
+            </a:r>
+            <a:r>
+              <a:rPr lang="ko-KR" altLang="en-US" sz="1600" dirty="0"/>
+              <a:t> {실외(혹은 방안) 시작}  -&gt; 실내(복도 및 </a:t>
+            </a:r>
+            <a:r>
+              <a:rPr lang="ko-KR" altLang="en-US" sz="1600" dirty="0" err="1"/>
+              <a:t>다른방</a:t>
+            </a:r>
+            <a:r>
+              <a:rPr lang="ko-KR" altLang="en-US" sz="1600" dirty="0"/>
+              <a:t> 탐방) 의 구도를 가짐</a:t>
+            </a:r>
+            <a:endParaRPr lang="en-US" altLang="ko-KR" sz="1600" dirty="0"/>
+          </a:p>
+          <a:p>
+            <a:endParaRPr lang="ko-KR" altLang="en-US" sz="1600" dirty="0"/>
+          </a:p>
+          <a:p>
+            <a:r>
+              <a:rPr lang="ko-KR" altLang="en-US" sz="1600" dirty="0">
+                <a:solidFill>
+                  <a:schemeClr val="accent1">
+                    <a:lumMod val="75000"/>
+                  </a:schemeClr>
+                </a:solidFill>
+              </a:rPr>
+              <a:t>=&gt;제작해야 할 게임 플레이 공간은 2가지 원룸 형태의 방, 오피스텔의 복도, 계단, 엔딩 야외 4종류</a:t>
+            </a:r>
+          </a:p>
+          <a:p>
+            <a:endParaRPr lang="ko-KR" altLang="en-US" sz="1600" dirty="0"/>
+          </a:p>
+          <a:p>
+            <a:r>
+              <a:rPr lang="ko-KR" altLang="en-US" sz="1600" dirty="0"/>
+              <a:t>고정4. 누군가 보이지는 않지만 계속 캐릭터를 주시하고 있음</a:t>
+            </a:r>
+            <a:endParaRPr lang="en-US" altLang="ko-KR" sz="1600" dirty="0"/>
+          </a:p>
+          <a:p>
+            <a:endParaRPr lang="ko-KR" altLang="en-US" sz="1600" dirty="0"/>
+          </a:p>
+          <a:p>
+            <a:r>
+              <a:rPr lang="ko-KR" altLang="en-US" sz="1600" dirty="0">
+                <a:solidFill>
+                  <a:schemeClr val="accent1">
+                    <a:lumMod val="75000"/>
+                  </a:schemeClr>
+                </a:solidFill>
+              </a:rPr>
+              <a:t>=&gt;주인공은 사실 정신과에서 최면 치료를 받는 중</a:t>
+            </a:r>
+            <a:r>
+              <a:rPr lang="en-US" altLang="ko-KR" sz="1600" dirty="0">
+                <a:solidFill>
+                  <a:schemeClr val="accent1">
+                    <a:lumMod val="75000"/>
+                  </a:schemeClr>
+                </a:solidFill>
+              </a:rPr>
               <a:t>, </a:t>
             </a:r>
             <a:r>
-              <a:rPr lang="ko-KR" altLang="en-US" dirty="0"/>
-              <a:t>수천 </a:t>
-            </a:r>
-            <a:r>
-              <a:rPr lang="ko-KR" altLang="en-US" dirty="0" err="1"/>
-              <a:t>수만</a:t>
-            </a:r>
-            <a:r>
-              <a:rPr lang="ko-KR" altLang="en-US" sz="1800" dirty="0" err="1"/>
-              <a:t>번</a:t>
-            </a:r>
-            <a:r>
-              <a:rPr lang="ko-KR" altLang="en-US" sz="1800" dirty="0"/>
-              <a:t> 꿈을 꿉니다</a:t>
-            </a:r>
-            <a:r>
-              <a:rPr lang="en-US" altLang="ko-KR" sz="1800" dirty="0"/>
-              <a:t>. </a:t>
-            </a:r>
-            <a:r>
-              <a:rPr lang="ko-KR" altLang="en-US" sz="1800" dirty="0"/>
-              <a:t>오늘도 꿈을 꾸고 있는 나는 과연 꿈속에 있는지 현실에 있는지</a:t>
-            </a:r>
-            <a:r>
-              <a:rPr lang="en-US" altLang="ko-KR" sz="1800" dirty="0"/>
-              <a:t>..</a:t>
-            </a:r>
-            <a:r>
-              <a:rPr lang="ko-KR" altLang="en-US" sz="1800" dirty="0"/>
-              <a:t>혹은 달콤한 꿈속이 아닌 악몽이 될 수도 있는 꿈이라면</a:t>
-            </a:r>
-            <a:r>
-              <a:rPr lang="en-US" altLang="ko-KR" sz="1800" dirty="0"/>
-              <a:t>…?</a:t>
-            </a:r>
-            <a:r>
-              <a:rPr lang="ko-KR" altLang="en-US" sz="1800" dirty="0"/>
-              <a:t> </a:t>
-            </a:r>
-            <a:endParaRPr lang="en-US" altLang="ko-KR" dirty="0"/>
-          </a:p>
-          <a:p>
-            <a:r>
-              <a:rPr lang="ko-KR" altLang="en-US" sz="1800" dirty="0"/>
-              <a:t>어쩌면 정말 우리 모두 한낱 꿈을 꾸고 있는 것이 아닐까요</a:t>
-            </a:r>
-            <a:r>
-              <a:rPr lang="en-US" altLang="ko-KR" sz="1800" dirty="0"/>
-              <a:t>?</a:t>
-            </a:r>
-            <a:endParaRPr lang="en-US" altLang="ko-KR" dirty="0"/>
-          </a:p>
-          <a:p>
-            <a:endParaRPr lang="en-US" altLang="ko-KR" dirty="0"/>
-          </a:p>
-          <a:p>
-            <a:endParaRPr lang="en-US" altLang="ko-KR" dirty="0"/>
-          </a:p>
-          <a:p>
-            <a:r>
-              <a:rPr lang="ko-KR" altLang="en-US" sz="1800" b="1" dirty="0"/>
-              <a:t>사전 정보</a:t>
-            </a:r>
-            <a:endParaRPr lang="en-US" altLang="ko-KR" b="1" dirty="0"/>
-          </a:p>
-          <a:p>
-            <a:r>
-              <a:rPr lang="ko-KR" altLang="en-US" sz="1800" dirty="0"/>
-              <a:t>참고 영화 </a:t>
-            </a:r>
-            <a:r>
-              <a:rPr lang="en-US" altLang="ko-KR" sz="1800" dirty="0"/>
-              <a:t>: </a:t>
-            </a:r>
-            <a:r>
-              <a:rPr lang="ko-KR" altLang="en-US" sz="1800" dirty="0" err="1"/>
-              <a:t>나이트메어</a:t>
-            </a:r>
-            <a:r>
-              <a:rPr lang="en-US" altLang="ko-KR" sz="1800" dirty="0"/>
-              <a:t>, </a:t>
-            </a:r>
-            <a:r>
-              <a:rPr lang="ko-KR" altLang="en-US" sz="1800" dirty="0" err="1"/>
-              <a:t>사일런트힐</a:t>
-            </a:r>
-            <a:r>
-              <a:rPr lang="en-US" altLang="ko-KR" sz="1800" dirty="0"/>
-              <a:t>, </a:t>
-            </a:r>
-            <a:r>
-              <a:rPr lang="ko-KR" altLang="en-US" sz="1800" dirty="0" err="1"/>
-              <a:t>레지던트이블</a:t>
-            </a:r>
-            <a:endParaRPr lang="en-US" altLang="ko-KR" sz="1800" dirty="0"/>
-          </a:p>
-          <a:p>
-            <a:r>
-              <a:rPr lang="ko-KR" altLang="en-US" sz="1800" dirty="0"/>
-              <a:t>중요 키워드 </a:t>
-            </a:r>
-            <a:r>
-              <a:rPr lang="en-US" altLang="ko-KR" sz="1800" dirty="0"/>
-              <a:t>: </a:t>
-            </a:r>
-            <a:r>
-              <a:rPr lang="ko-KR" altLang="en-US" sz="1800" dirty="0"/>
-              <a:t>꿈</a:t>
-            </a:r>
-            <a:r>
-              <a:rPr lang="en-US" altLang="ko-KR" sz="1800" dirty="0"/>
-              <a:t>, </a:t>
-            </a:r>
-            <a:r>
-              <a:rPr lang="ko-KR" altLang="en-US" sz="1800" dirty="0"/>
-              <a:t>테마 </a:t>
-            </a:r>
-            <a:r>
-              <a:rPr lang="en-US" altLang="ko-KR" sz="1800" dirty="0"/>
-              <a:t>: </a:t>
-            </a:r>
-            <a:r>
-              <a:rPr lang="ko-KR" altLang="en-US" sz="1800" dirty="0"/>
-              <a:t>봄</a:t>
-            </a:r>
-            <a:r>
-              <a:rPr lang="en-US" altLang="ko-KR" sz="1800" dirty="0"/>
-              <a:t>/</a:t>
-            </a:r>
-            <a:r>
-              <a:rPr lang="ko-KR" altLang="en-US" sz="1800" dirty="0"/>
-              <a:t>여름</a:t>
-            </a:r>
-            <a:r>
-              <a:rPr lang="en-US" altLang="ko-KR" sz="1800" dirty="0"/>
-              <a:t>/</a:t>
-            </a:r>
-            <a:r>
-              <a:rPr lang="ko-KR" altLang="en-US" sz="1800" dirty="0"/>
-              <a:t>가을</a:t>
-            </a:r>
-            <a:r>
-              <a:rPr lang="en-US" altLang="ko-KR" sz="1800" dirty="0"/>
-              <a:t>/</a:t>
-            </a:r>
-            <a:r>
-              <a:rPr lang="ko-KR" altLang="en-US" sz="1800" dirty="0"/>
-              <a:t>겨울</a:t>
-            </a:r>
-            <a:endParaRPr lang="en-US" altLang="ko-KR" sz="1800" dirty="0"/>
-          </a:p>
-          <a:p>
-            <a:endParaRPr lang="en-US" altLang="ko-KR" dirty="0"/>
-          </a:p>
-          <a:p>
-            <a:endParaRPr lang="en-US" altLang="ko-KR" dirty="0"/>
+              <a:rPr lang="ko-KR" altLang="en-US" sz="1600" dirty="0">
+                <a:solidFill>
+                  <a:schemeClr val="accent1">
+                    <a:lumMod val="75000"/>
+                  </a:schemeClr>
+                </a:solidFill>
+              </a:rPr>
+              <a:t>오피스텔에서 탈출이란 치료의 끝을 의미</a:t>
+            </a:r>
+            <a:r>
+              <a:rPr lang="en-US" altLang="ko-KR" sz="1600" dirty="0">
+                <a:solidFill>
+                  <a:schemeClr val="accent1">
+                    <a:lumMod val="75000"/>
+                  </a:schemeClr>
+                </a:solidFill>
+              </a:rPr>
+              <a:t>.</a:t>
+            </a:r>
+          </a:p>
+          <a:p>
+            <a:r>
+              <a:rPr lang="ko-KR" altLang="en-US" sz="1600" dirty="0">
+                <a:solidFill>
+                  <a:schemeClr val="accent1">
+                    <a:lumMod val="75000"/>
+                  </a:schemeClr>
+                </a:solidFill>
+              </a:rPr>
+              <a:t>오피스텔이 부분적으로 삭제되어 있는 것은 주인공에게 그 부분의 기억이 없기 때문</a:t>
+            </a:r>
+            <a:endParaRPr lang="en-US" altLang="ko-KR" sz="1600" dirty="0">
+              <a:solidFill>
+                <a:schemeClr val="accent1">
+                  <a:lumMod val="75000"/>
+                </a:schemeClr>
+              </a:solidFill>
+            </a:endParaRPr>
           </a:p>
         </p:txBody>
       </p:sp>
     </p:spTree>
     <p:extLst>
       <p:ext uri="{BB962C8B-B14F-4D97-AF65-F5344CB8AC3E}">
-        <p14:creationId xmlns:p14="http://schemas.microsoft.com/office/powerpoint/2010/main" val="2409750436"/>
+        <p14:creationId xmlns:p14="http://schemas.microsoft.com/office/powerpoint/2010/main" val="1861308650"/>
       </p:ext>
     </p:extLst>
   </p:cSld>
@@ -4730,10 +4830,10 @@
       </p:grpSpPr>
       <p:sp>
         <p:nvSpPr>
-          <p:cNvPr id="3" name="TextBox 2">
-            <a:extLst>
-              <a:ext uri="{FF2B5EF4-FFF2-40B4-BE49-F238E27FC236}">
-                <a16:creationId xmlns:a16="http://schemas.microsoft.com/office/drawing/2014/main" id="{C7D5ABD1-805B-3C6F-9D53-50549AA190FC}"/>
+          <p:cNvPr id="4" name="TextBox 3">
+            <a:extLst>
+              <a:ext uri="{FF2B5EF4-FFF2-40B4-BE49-F238E27FC236}">
+                <a16:creationId xmlns:a16="http://schemas.microsoft.com/office/drawing/2014/main" id="{2D7A2716-A867-44C2-A445-1D1DFC57A1A9}"/>
               </a:ext>
             </a:extLst>
           </p:cNvPr>
@@ -4742,8 +4842,8 @@
         </p:nvSpPr>
         <p:spPr>
           <a:xfrm>
-            <a:off x="4711337" y="3136612"/>
-            <a:ext cx="3143794" cy="584775"/>
+            <a:off x="78378" y="1166842"/>
+            <a:ext cx="9788434" cy="3139321"/>
           </a:xfrm>
           <a:prstGeom prst="rect">
             <a:avLst/>
@@ -4756,19 +4856,185 @@
           </a:bodyPr>
           <a:lstStyle/>
           <a:p>
-            <a:pPr algn="ctr"/>
-            <a:r>
-              <a:rPr lang="ko-KR" altLang="en-US" sz="3200"/>
-              <a:t>게임 진행 방식</a:t>
-            </a:r>
-            <a:endParaRPr lang="ko-KR" altLang="en-US" sz="3200" dirty="0"/>
+            <a:r>
+              <a:rPr lang="ko-KR" altLang="en-US" sz="1800" b="1" dirty="0"/>
+              <a:t>말하고 싶은 주제</a:t>
+            </a:r>
+            <a:endParaRPr lang="en-US" altLang="ko-KR" sz="1800" b="1" dirty="0"/>
+          </a:p>
+          <a:p>
+            <a:r>
+              <a:rPr lang="ko-KR" altLang="en-US" sz="1800" dirty="0"/>
+              <a:t>우리는 살아가면서 많은 상황을 겪고</a:t>
+            </a:r>
+            <a:r>
+              <a:rPr lang="en-US" altLang="ko-KR" sz="1800" dirty="0"/>
+              <a:t>, </a:t>
+            </a:r>
+            <a:r>
+              <a:rPr lang="ko-KR" altLang="en-US" dirty="0"/>
+              <a:t>수천 </a:t>
+            </a:r>
+            <a:r>
+              <a:rPr lang="ko-KR" altLang="en-US" dirty="0" err="1"/>
+              <a:t>수만</a:t>
+            </a:r>
+            <a:r>
+              <a:rPr lang="ko-KR" altLang="en-US" sz="1800" dirty="0" err="1"/>
+              <a:t>번</a:t>
+            </a:r>
+            <a:r>
+              <a:rPr lang="ko-KR" altLang="en-US" sz="1800" dirty="0"/>
+              <a:t> 꿈을 꿉니다</a:t>
+            </a:r>
+            <a:r>
+              <a:rPr lang="en-US" altLang="ko-KR" sz="1800" dirty="0"/>
+              <a:t>. </a:t>
+            </a:r>
+            <a:r>
+              <a:rPr lang="ko-KR" altLang="en-US" sz="1800" dirty="0"/>
+              <a:t>오늘도 꿈을 꾸고 있는 나는 과연 꿈속에 있는지 현실에 있는지</a:t>
+            </a:r>
+            <a:r>
+              <a:rPr lang="en-US" altLang="ko-KR" sz="1800" dirty="0"/>
+              <a:t>..</a:t>
+            </a:r>
+            <a:r>
+              <a:rPr lang="ko-KR" altLang="en-US" sz="1800" dirty="0"/>
+              <a:t>혹은 달콤한 꿈속이 아닌 악몽이 될 수도 있는 꿈이라면</a:t>
+            </a:r>
+            <a:r>
+              <a:rPr lang="en-US" altLang="ko-KR" sz="1800" dirty="0"/>
+              <a:t>…?</a:t>
+            </a:r>
+            <a:r>
+              <a:rPr lang="ko-KR" altLang="en-US" sz="1800" dirty="0"/>
+              <a:t> </a:t>
+            </a:r>
+            <a:endParaRPr lang="en-US" altLang="ko-KR" dirty="0"/>
+          </a:p>
+          <a:p>
+            <a:r>
+              <a:rPr lang="ko-KR" altLang="en-US" sz="1800" dirty="0"/>
+              <a:t>어쩌면 정말 우리 모두 한낱 꿈을 꾸고 있는 것이 아닐까요</a:t>
+            </a:r>
+            <a:r>
+              <a:rPr lang="en-US" altLang="ko-KR" sz="1800" dirty="0"/>
+              <a:t>?</a:t>
+            </a:r>
+            <a:endParaRPr lang="en-US" altLang="ko-KR" dirty="0"/>
+          </a:p>
+          <a:p>
+            <a:endParaRPr lang="en-US" altLang="ko-KR" dirty="0"/>
+          </a:p>
+          <a:p>
+            <a:endParaRPr lang="en-US" altLang="ko-KR" dirty="0"/>
+          </a:p>
+          <a:p>
+            <a:r>
+              <a:rPr lang="ko-KR" altLang="en-US" sz="1800" b="1" dirty="0"/>
+              <a:t>사전 정보</a:t>
+            </a:r>
+            <a:endParaRPr lang="en-US" altLang="ko-KR" b="1" dirty="0"/>
+          </a:p>
+          <a:p>
+            <a:r>
+              <a:rPr lang="ko-KR" altLang="en-US" sz="1800" dirty="0"/>
+              <a:t>참고 영화 </a:t>
+            </a:r>
+            <a:r>
+              <a:rPr lang="en-US" altLang="ko-KR" sz="1800" dirty="0"/>
+              <a:t>: </a:t>
+            </a:r>
+            <a:r>
+              <a:rPr lang="ko-KR" altLang="en-US" sz="1800" dirty="0" err="1"/>
+              <a:t>나이트메어</a:t>
+            </a:r>
+            <a:r>
+              <a:rPr lang="en-US" altLang="ko-KR" sz="1800" dirty="0"/>
+              <a:t>, </a:t>
+            </a:r>
+            <a:r>
+              <a:rPr lang="ko-KR" altLang="en-US" sz="1800" dirty="0" err="1"/>
+              <a:t>사일런트힐</a:t>
+            </a:r>
+            <a:r>
+              <a:rPr lang="en-US" altLang="ko-KR" sz="1800" dirty="0"/>
+              <a:t>, </a:t>
+            </a:r>
+            <a:r>
+              <a:rPr lang="ko-KR" altLang="en-US" sz="1800" dirty="0" err="1"/>
+              <a:t>레지던트이블</a:t>
+            </a:r>
+            <a:endParaRPr lang="en-US" altLang="ko-KR" sz="1800" dirty="0"/>
+          </a:p>
+          <a:p>
+            <a:r>
+              <a:rPr lang="ko-KR" altLang="en-US" sz="1800" dirty="0"/>
+              <a:t>중요 키워드 </a:t>
+            </a:r>
+            <a:r>
+              <a:rPr lang="en-US" altLang="ko-KR" sz="1800" dirty="0"/>
+              <a:t>: </a:t>
+            </a:r>
+            <a:r>
+              <a:rPr lang="ko-KR" altLang="en-US" sz="1800" dirty="0"/>
+              <a:t>꿈</a:t>
+            </a:r>
+            <a:r>
+              <a:rPr lang="en-US" altLang="ko-KR" sz="1800" dirty="0"/>
+              <a:t>, </a:t>
+            </a:r>
+            <a:r>
+              <a:rPr lang="ko-KR" altLang="en-US" sz="1800" dirty="0"/>
+              <a:t>테마 </a:t>
+            </a:r>
+            <a:r>
+              <a:rPr lang="en-US" altLang="ko-KR" sz="1800" dirty="0"/>
+              <a:t>: </a:t>
+            </a:r>
+            <a:r>
+              <a:rPr lang="ko-KR" altLang="en-US" sz="1800" dirty="0"/>
+              <a:t>봄</a:t>
+            </a:r>
+            <a:r>
+              <a:rPr lang="en-US" altLang="ko-KR" sz="1800" dirty="0"/>
+              <a:t>/</a:t>
+            </a:r>
+            <a:r>
+              <a:rPr lang="ko-KR" altLang="en-US" sz="1800" dirty="0"/>
+              <a:t>여름</a:t>
+            </a:r>
+            <a:r>
+              <a:rPr lang="en-US" altLang="ko-KR" sz="1800" dirty="0"/>
+              <a:t>/</a:t>
+            </a:r>
+            <a:r>
+              <a:rPr lang="ko-KR" altLang="en-US" sz="1800" dirty="0"/>
+              <a:t>가을</a:t>
+            </a:r>
+            <a:r>
+              <a:rPr lang="en-US" altLang="ko-KR" sz="1800" dirty="0"/>
+              <a:t>/</a:t>
+            </a:r>
+            <a:r>
+              <a:rPr lang="ko-KR" altLang="en-US" sz="1800" dirty="0"/>
+              <a:t>겨울</a:t>
+            </a:r>
+            <a:endParaRPr lang="en-US" altLang="ko-KR" sz="1800" dirty="0"/>
+          </a:p>
+          <a:p>
+            <a:endParaRPr lang="en-US" altLang="ko-KR" dirty="0"/>
+          </a:p>
+          <a:p>
+            <a:endParaRPr lang="en-US" altLang="ko-KR" dirty="0"/>
           </a:p>
         </p:txBody>
       </p:sp>
     </p:spTree>
     <p:extLst>
       <p:ext uri="{BB962C8B-B14F-4D97-AF65-F5344CB8AC3E}">
-        <p14:creationId xmlns:p14="http://schemas.microsoft.com/office/powerpoint/2010/main" val="2946734859"/>
+        <p14:creationId xmlns:p14="http://schemas.microsoft.com/office/powerpoint/2010/main" val="2409750436"/>
       </p:ext>
     </p:extLst>
   </p:cSld>
@@ -4797,6 +5063,73 @@
       </p:grpSpPr>
       <p:sp>
         <p:nvSpPr>
+          <p:cNvPr id="3" name="TextBox 2">
+            <a:extLst>
+              <a:ext uri="{FF2B5EF4-FFF2-40B4-BE49-F238E27FC236}">
+                <a16:creationId xmlns:a16="http://schemas.microsoft.com/office/drawing/2014/main" id="{C7D5ABD1-805B-3C6F-9D53-50549AA190FC}"/>
+              </a:ext>
+            </a:extLst>
+          </p:cNvPr>
+          <p:cNvSpPr txBox="1"/>
+          <p:nvPr/>
+        </p:nvSpPr>
+        <p:spPr>
+          <a:xfrm>
+            <a:off x="4711337" y="3136612"/>
+            <a:ext cx="3143794" cy="584775"/>
+          </a:xfrm>
+          <a:prstGeom prst="rect">
+            <a:avLst/>
+          </a:prstGeom>
+          <a:noFill/>
+        </p:spPr>
+        <p:txBody>
+          <a:bodyPr wrap="square">
+            <a:spAutoFit/>
+          </a:bodyPr>
+          <a:lstStyle/>
+          <a:p>
+            <a:pPr algn="ctr"/>
+            <a:r>
+              <a:rPr lang="ko-KR" altLang="en-US" sz="3200"/>
+              <a:t>게임 진행 방식</a:t>
+            </a:r>
+            <a:endParaRPr lang="ko-KR" altLang="en-US" sz="3200" dirty="0"/>
+          </a:p>
+        </p:txBody>
+      </p:sp>
+    </p:spTree>
+    <p:extLst>
+      <p:ext uri="{BB962C8B-B14F-4D97-AF65-F5344CB8AC3E}">
+        <p14:creationId xmlns:p14="http://schemas.microsoft.com/office/powerpoint/2010/main" val="2946734859"/>
+      </p:ext>
+    </p:extLst>
+  </p:cSld>
+  <p:clrMapOvr>
+    <a:masterClrMapping/>
+  </p:clrMapOvr>
+</p:sld>
+</file>
+
+<file path=ppt/slides/slide6.xml><?xml version="1.0" encoding="utf-8"?>
+<p:sld xmlns:a="http://schemas.openxmlformats.org/drawingml/2006/main" xmlns:r="http://schemas.openxmlformats.org/officeDocument/2006/relationships" xmlns:p="http://schemas.openxmlformats.org/presentationml/2006/main">
+  <p:cSld>
+    <p:spTree>
+      <p:nvGrpSpPr>
+        <p:cNvPr id="1" name=""/>
+        <p:cNvGrpSpPr/>
+        <p:nvPr/>
+      </p:nvGrpSpPr>
+      <p:grpSpPr>
+        <a:xfrm>
+          <a:off x="0" y="0"/>
+          <a:ext cx="0" cy="0"/>
+          <a:chOff x="0" y="0"/>
+          <a:chExt cx="0" cy="0"/>
+        </a:xfrm>
+      </p:grpSpPr>
+      <p:sp>
+        <p:nvSpPr>
           <p:cNvPr id="2" name="TextBox 1">
             <a:extLst>
               <a:ext uri="{FF2B5EF4-FFF2-40B4-BE49-F238E27FC236}">
@@ -5082,7 +5415,7 @@
 </p:sld>
 </file>
 
-<file path=ppt/slides/slide6.xml><?xml version="1.0" encoding="utf-8"?>
+<file path=ppt/slides/slide7.xml><?xml version="1.0" encoding="utf-8"?>
 <p:sld xmlns:a="http://schemas.openxmlformats.org/drawingml/2006/main" xmlns:r="http://schemas.openxmlformats.org/officeDocument/2006/relationships" xmlns:p="http://schemas.openxmlformats.org/presentationml/2006/main">
   <p:cSld>
     <p:spTree>
@@ -5908,228 +6241,6 @@
 </p:sld>
 </file>
 
-<file path=ppt/slides/slide7.xml><?xml version="1.0" encoding="utf-8"?>
-<p:sld xmlns:a="http://schemas.openxmlformats.org/drawingml/2006/main" xmlns:r="http://schemas.openxmlformats.org/officeDocument/2006/relationships" xmlns:p="http://schemas.openxmlformats.org/presentationml/2006/main">
-  <p:cSld>
-    <p:spTree>
-      <p:nvGrpSpPr>
-        <p:cNvPr id="1" name=""/>
-        <p:cNvGrpSpPr/>
-        <p:nvPr/>
-      </p:nvGrpSpPr>
-      <p:grpSpPr>
-        <a:xfrm>
-          <a:off x="0" y="0"/>
-          <a:ext cx="0" cy="0"/>
-          <a:chOff x="0" y="0"/>
-          <a:chExt cx="0" cy="0"/>
-        </a:xfrm>
-      </p:grpSpPr>
-      <p:sp>
-        <p:nvSpPr>
-          <p:cNvPr id="2" name="제목 1">
-            <a:extLst>
-              <a:ext uri="{FF2B5EF4-FFF2-40B4-BE49-F238E27FC236}">
-                <a16:creationId xmlns:a16="http://schemas.microsoft.com/office/drawing/2014/main" id="{DE7C34F3-90E8-453E-8004-99B983778328}"/>
-              </a:ext>
-            </a:extLst>
-          </p:cNvPr>
-          <p:cNvSpPr>
-            <a:spLocks noGrp="1"/>
-          </p:cNvSpPr>
-          <p:nvPr>
-            <p:ph type="title"/>
-          </p:nvPr>
-        </p:nvSpPr>
-        <p:spPr/>
-        <p:txBody>
-          <a:bodyPr/>
-          <a:lstStyle/>
-          <a:p>
-            <a:r>
-              <a:rPr lang="ko-KR" altLang="en-US" dirty="0"/>
-              <a:t>개발 핵심 고정</a:t>
-            </a:r>
-          </a:p>
-        </p:txBody>
-      </p:sp>
-      <p:sp>
-        <p:nvSpPr>
-          <p:cNvPr id="3" name="내용 개체 틀 2">
-            <a:extLst>
-              <a:ext uri="{FF2B5EF4-FFF2-40B4-BE49-F238E27FC236}">
-                <a16:creationId xmlns:a16="http://schemas.microsoft.com/office/drawing/2014/main" id="{EEBDFAA7-9C53-4F91-B706-C6C3FFD533E3}"/>
-              </a:ext>
-            </a:extLst>
-          </p:cNvPr>
-          <p:cNvSpPr>
-            <a:spLocks noGrp="1"/>
-          </p:cNvSpPr>
-          <p:nvPr>
-            <p:ph idx="1"/>
-          </p:nvPr>
-        </p:nvSpPr>
-        <p:spPr/>
-        <p:txBody>
-          <a:bodyPr>
-            <a:normAutofit/>
-          </a:bodyPr>
-          <a:lstStyle/>
-          <a:p>
-            <a:pPr marL="342900" indent="-342900">
-              <a:buAutoNum type="arabicPeriod"/>
-            </a:pPr>
-            <a:r>
-              <a:rPr lang="ko-KR" altLang="en-US" sz="1600" dirty="0"/>
-              <a:t>타이머가 계속 돌아가며 타이머가 </a:t>
-            </a:r>
-            <a:r>
-              <a:rPr lang="en-US" altLang="ko-KR" sz="1600" dirty="0"/>
-              <a:t>0</a:t>
-            </a:r>
-            <a:r>
-              <a:rPr lang="ko-KR" altLang="en-US" sz="1600" dirty="0"/>
-              <a:t>이 될 시 </a:t>
-            </a:r>
-            <a:r>
-              <a:rPr lang="en-US" altLang="ko-KR" sz="1600" dirty="0"/>
-              <a:t>Dream</a:t>
-            </a:r>
-            <a:r>
-              <a:rPr lang="ko-KR" altLang="en-US" sz="1600" dirty="0"/>
-              <a:t>상태로 진입 </a:t>
-            </a:r>
-            <a:r>
-              <a:rPr lang="en-US" altLang="ko-KR" sz="1600" dirty="0"/>
-              <a:t>(Layer)</a:t>
-            </a:r>
-          </a:p>
-          <a:p>
-            <a:pPr marL="342900" indent="-342900">
-              <a:buAutoNum type="arabicPeriod"/>
-            </a:pPr>
-            <a:r>
-              <a:rPr lang="ko-KR" altLang="en-US" sz="1600" dirty="0"/>
-              <a:t>꿈상태일 때는 상호작용 할 수 있는 사물들이 늘어남</a:t>
-            </a:r>
-            <a:r>
-              <a:rPr lang="en-US" altLang="ko-KR" sz="1600" dirty="0"/>
-              <a:t>, </a:t>
-            </a:r>
-            <a:r>
-              <a:rPr lang="ko-KR" altLang="en-US" sz="1600" dirty="0" err="1"/>
-              <a:t>크리처들도</a:t>
-            </a:r>
-            <a:r>
-              <a:rPr lang="ko-KR" altLang="en-US" sz="1600" dirty="0"/>
-              <a:t> 등장</a:t>
-            </a:r>
-            <a:endParaRPr lang="en-US" altLang="ko-KR" sz="1600" dirty="0"/>
-          </a:p>
-          <a:p>
-            <a:pPr marL="342900" indent="-342900">
-              <a:buAutoNum type="arabicPeriod"/>
-            </a:pPr>
-            <a:r>
-              <a:rPr lang="ko-KR" altLang="en-US" sz="1600" dirty="0"/>
-              <a:t>아드레날린 주사기를 사용시 </a:t>
-            </a:r>
-            <a:r>
-              <a:rPr lang="en-US" altLang="ko-KR" sz="1600" dirty="0"/>
-              <a:t>Dream</a:t>
-            </a:r>
-            <a:r>
-              <a:rPr lang="ko-KR" altLang="en-US" sz="1600" dirty="0"/>
-              <a:t>상태 </a:t>
-            </a:r>
-            <a:r>
-              <a:rPr lang="en-US" altLang="ko-KR" sz="1600" dirty="0"/>
-              <a:t>n</a:t>
-            </a:r>
-            <a:r>
-              <a:rPr lang="ko-KR" altLang="en-US" sz="1600" dirty="0"/>
-              <a:t>초 후 풀리며 현실로 진입 </a:t>
-            </a:r>
-            <a:r>
-              <a:rPr lang="en-US" altLang="ko-KR" sz="1600" dirty="0"/>
-              <a:t>(</a:t>
-            </a:r>
-            <a:r>
-              <a:rPr lang="ko-KR" altLang="en-US" sz="1600" dirty="0"/>
-              <a:t>꿈 상호작용 전부 비활성화</a:t>
-            </a:r>
-            <a:r>
-              <a:rPr lang="en-US" altLang="ko-KR" sz="1600" dirty="0"/>
-              <a:t>)</a:t>
-            </a:r>
-          </a:p>
-          <a:p>
-            <a:pPr marL="342900" indent="-342900">
-              <a:buAutoNum type="arabicPeriod"/>
-            </a:pPr>
-            <a:r>
-              <a:rPr lang="ko-KR" altLang="en-US" sz="1600" dirty="0"/>
-              <a:t>카메라 연출은 </a:t>
-            </a:r>
-            <a:r>
-              <a:rPr lang="en-US" altLang="ko-KR" sz="1600" dirty="0" err="1"/>
-              <a:t>CineMachine</a:t>
-            </a:r>
-            <a:r>
-              <a:rPr lang="ko-KR" altLang="en-US" sz="1600" dirty="0"/>
-              <a:t>을 이용</a:t>
-            </a:r>
-            <a:endParaRPr lang="en-US" altLang="ko-KR" sz="1600" dirty="0"/>
-          </a:p>
-          <a:p>
-            <a:pPr marL="342900" indent="-342900">
-              <a:buAutoNum type="arabicPeriod"/>
-            </a:pPr>
-            <a:r>
-              <a:rPr lang="en-US" altLang="ko-KR" sz="1600" dirty="0"/>
-              <a:t>1</a:t>
-            </a:r>
-            <a:r>
-              <a:rPr lang="ko-KR" altLang="en-US" sz="1600" dirty="0"/>
-              <a:t>인 플레이를 권장하기에 네트워크는 보류</a:t>
-            </a:r>
-            <a:endParaRPr lang="en-US" altLang="ko-KR" sz="1600" dirty="0"/>
-          </a:p>
-          <a:p>
-            <a:pPr marL="342900" indent="-342900">
-              <a:buAutoNum type="arabicPeriod"/>
-            </a:pPr>
-            <a:r>
-              <a:rPr lang="en-US" altLang="ko-KR" sz="1600" dirty="0"/>
-              <a:t>PC</a:t>
-            </a:r>
-            <a:r>
-              <a:rPr lang="ko-KR" altLang="en-US" sz="1600"/>
-              <a:t>기준으로 개발</a:t>
-            </a:r>
-            <a:endParaRPr lang="en-US" altLang="ko-KR" sz="1600" dirty="0"/>
-          </a:p>
-          <a:p>
-            <a:pPr marL="342900" indent="-342900">
-              <a:buAutoNum type="arabicPeriod"/>
-            </a:pPr>
-            <a:endParaRPr lang="ko-KR" altLang="en-US" sz="1600" dirty="0"/>
-          </a:p>
-        </p:txBody>
-      </p:sp>
-    </p:spTree>
-    <p:extLst>
-      <p:ext uri="{BB962C8B-B14F-4D97-AF65-F5344CB8AC3E}">
-        <p14:creationId xmlns:p14="http://schemas.microsoft.com/office/powerpoint/2010/main" val="3211519434"/>
-      </p:ext>
-    </p:extLst>
-  </p:cSld>
-  <p:clrMapOvr>
-    <a:masterClrMapping/>
-  </p:clrMapOvr>
-</p:sld>
-</file>
-
 <file path=ppt/slides/slide8.xml><?xml version="1.0" encoding="utf-8"?>
 <p:sld xmlns:a="http://schemas.openxmlformats.org/drawingml/2006/main" xmlns:r="http://schemas.openxmlformats.org/officeDocument/2006/relationships" xmlns:p="http://schemas.openxmlformats.org/presentationml/2006/main">
   <p:cSld>
@@ -6149,45 +6260,200 @@
       </p:grpSpPr>
       <p:sp>
         <p:nvSpPr>
-          <p:cNvPr id="3" name="TextBox 2">
-            <a:extLst>
-              <a:ext uri="{FF2B5EF4-FFF2-40B4-BE49-F238E27FC236}">
-                <a16:creationId xmlns:a16="http://schemas.microsoft.com/office/drawing/2014/main" id="{C7D5ABD1-805B-3C6F-9D53-50549AA190FC}"/>
-              </a:ext>
-            </a:extLst>
-          </p:cNvPr>
-          <p:cNvSpPr txBox="1"/>
-          <p:nvPr/>
-        </p:nvSpPr>
-        <p:spPr>
-          <a:xfrm>
-            <a:off x="4711337" y="3136612"/>
-            <a:ext cx="2769325" cy="584775"/>
-          </a:xfrm>
-          <a:prstGeom prst="rect">
-            <a:avLst/>
-          </a:prstGeom>
-          <a:noFill/>
-        </p:spPr>
-        <p:txBody>
-          <a:bodyPr wrap="square">
-            <a:spAutoFit/>
+          <p:cNvPr id="2" name="제목 1">
+            <a:extLst>
+              <a:ext uri="{FF2B5EF4-FFF2-40B4-BE49-F238E27FC236}">
+                <a16:creationId xmlns:a16="http://schemas.microsoft.com/office/drawing/2014/main" id="{DE7C34F3-90E8-453E-8004-99B983778328}"/>
+              </a:ext>
+            </a:extLst>
+          </p:cNvPr>
+          <p:cNvSpPr>
+            <a:spLocks noGrp="1"/>
+          </p:cNvSpPr>
+          <p:nvPr>
+            <p:ph type="title"/>
+          </p:nvPr>
+        </p:nvSpPr>
+        <p:spPr/>
+        <p:txBody>
+          <a:bodyPr/>
+          <a:lstStyle/>
+          <a:p>
+            <a:r>
+              <a:rPr lang="ko-KR" altLang="en-US" dirty="0"/>
+              <a:t>개발 핵심 고정</a:t>
+            </a:r>
+          </a:p>
+        </p:txBody>
+      </p:sp>
+      <p:sp>
+        <p:nvSpPr>
+          <p:cNvPr id="3" name="내용 개체 틀 2">
+            <a:extLst>
+              <a:ext uri="{FF2B5EF4-FFF2-40B4-BE49-F238E27FC236}">
+                <a16:creationId xmlns:a16="http://schemas.microsoft.com/office/drawing/2014/main" id="{EEBDFAA7-9C53-4F91-B706-C6C3FFD533E3}"/>
+              </a:ext>
+            </a:extLst>
+          </p:cNvPr>
+          <p:cNvSpPr>
+            <a:spLocks noGrp="1"/>
+          </p:cNvSpPr>
+          <p:nvPr>
+            <p:ph idx="1"/>
+          </p:nvPr>
+        </p:nvSpPr>
+        <p:spPr/>
+        <p:txBody>
+          <a:bodyPr>
+            <a:normAutofit/>
           </a:bodyPr>
           <a:lstStyle/>
           <a:p>
-            <a:pPr algn="ctr"/>
-            <a:r>
-              <a:rPr lang="ko-KR" altLang="en-US" sz="3200"/>
-              <a:t>캐릭터 설정</a:t>
-            </a:r>
-            <a:endParaRPr lang="ko-KR" altLang="en-US" sz="3200" dirty="0"/>
+            <a:pPr marL="342900" indent="-342900">
+              <a:buAutoNum type="arabicPeriod"/>
+            </a:pPr>
+            <a:r>
+              <a:rPr lang="ko-KR" altLang="en-US" sz="1600" dirty="0"/>
+              <a:t>타이머가 계속 돌아가며 타이머가 </a:t>
+            </a:r>
+            <a:r>
+              <a:rPr lang="en-US" altLang="ko-KR" sz="1600" dirty="0"/>
+              <a:t>0</a:t>
+            </a:r>
+            <a:r>
+              <a:rPr lang="ko-KR" altLang="en-US" sz="1600" dirty="0"/>
+              <a:t>이 될 시 </a:t>
+            </a:r>
+            <a:r>
+              <a:rPr lang="en-US" altLang="ko-KR" sz="1600" dirty="0"/>
+              <a:t>Dream</a:t>
+            </a:r>
+            <a:r>
+              <a:rPr lang="ko-KR" altLang="en-US" sz="1600" dirty="0"/>
+              <a:t>상태로 진입 </a:t>
+            </a:r>
+            <a:r>
+              <a:rPr lang="en-US" altLang="ko-KR" sz="1600" dirty="0"/>
+              <a:t>(Layer)</a:t>
+            </a:r>
+          </a:p>
+          <a:p>
+            <a:pPr marL="342900" indent="-342900">
+              <a:buAutoNum type="arabicPeriod"/>
+            </a:pPr>
+            <a:r>
+              <a:rPr lang="ko-KR" altLang="en-US" sz="1600" dirty="0"/>
+              <a:t>꿈상태일 때는 상호작용 할 수 있는 사물들이 늘어남</a:t>
+            </a:r>
+            <a:r>
+              <a:rPr lang="en-US" altLang="ko-KR" sz="1600" dirty="0"/>
+              <a:t>, </a:t>
+            </a:r>
+            <a:r>
+              <a:rPr lang="ko-KR" altLang="en-US" sz="1600" dirty="0" err="1"/>
+              <a:t>크리처들도</a:t>
+            </a:r>
+            <a:r>
+              <a:rPr lang="ko-KR" altLang="en-US" sz="1600" dirty="0"/>
+              <a:t> 등장</a:t>
+            </a:r>
+            <a:endParaRPr lang="en-US" altLang="ko-KR" sz="1600" dirty="0"/>
+          </a:p>
+          <a:p>
+            <a:pPr marL="342900" indent="-342900">
+              <a:buAutoNum type="arabicPeriod"/>
+            </a:pPr>
+            <a:r>
+              <a:rPr lang="ko-KR" altLang="en-US" sz="1600" dirty="0"/>
+              <a:t>아드레날린 주사기를 사용시 </a:t>
+            </a:r>
+            <a:r>
+              <a:rPr lang="en-US" altLang="ko-KR" sz="1600" dirty="0"/>
+              <a:t>Dream</a:t>
+            </a:r>
+            <a:r>
+              <a:rPr lang="ko-KR" altLang="en-US" sz="1600" dirty="0"/>
+              <a:t>상태 </a:t>
+            </a:r>
+            <a:r>
+              <a:rPr lang="en-US" altLang="ko-KR" sz="1600" dirty="0"/>
+              <a:t>n</a:t>
+            </a:r>
+            <a:r>
+              <a:rPr lang="ko-KR" altLang="en-US" sz="1600" dirty="0"/>
+              <a:t>초 후 풀리며 현실로 진입 </a:t>
+            </a:r>
+            <a:r>
+              <a:rPr lang="en-US" altLang="ko-KR" sz="1600" dirty="0"/>
+              <a:t>(</a:t>
+            </a:r>
+            <a:r>
+              <a:rPr lang="ko-KR" altLang="en-US" sz="1600" dirty="0"/>
+              <a:t>꿈 상호작용 전부 비활성화</a:t>
+            </a:r>
+            <a:r>
+              <a:rPr lang="en-US" altLang="ko-KR" sz="1600" dirty="0"/>
+              <a:t>)</a:t>
+            </a:r>
+          </a:p>
+          <a:p>
+            <a:pPr marL="342900" indent="-342900">
+              <a:buAutoNum type="arabicPeriod"/>
+            </a:pPr>
+            <a:r>
+              <a:rPr lang="ko-KR" altLang="en-US" sz="1600" dirty="0"/>
+              <a:t>카메라 연출은 </a:t>
+            </a:r>
+            <a:r>
+              <a:rPr lang="en-US" altLang="ko-KR" sz="1600" dirty="0" err="1"/>
+              <a:t>CineMachine</a:t>
+            </a:r>
+            <a:r>
+              <a:rPr lang="ko-KR" altLang="en-US" sz="1600" dirty="0"/>
+              <a:t>을 이용</a:t>
+            </a:r>
+            <a:endParaRPr lang="en-US" altLang="ko-KR" sz="1600" dirty="0"/>
+          </a:p>
+          <a:p>
+            <a:pPr marL="342900" indent="-342900">
+              <a:buAutoNum type="arabicPeriod"/>
+            </a:pPr>
+            <a:r>
+              <a:rPr lang="en-US" altLang="ko-KR" sz="1600" dirty="0"/>
+              <a:t>1</a:t>
+            </a:r>
+            <a:r>
+              <a:rPr lang="ko-KR" altLang="en-US" sz="1600" dirty="0"/>
+              <a:t>인 플레이를 권장하기에 네트워크는 보류</a:t>
+            </a:r>
+            <a:endParaRPr lang="en-US" altLang="ko-KR" sz="1600" dirty="0"/>
+          </a:p>
+          <a:p>
+            <a:pPr marL="342900" indent="-342900">
+              <a:buAutoNum type="arabicPeriod"/>
+            </a:pPr>
+            <a:r>
+              <a:rPr lang="en-US" altLang="ko-KR" sz="1600" dirty="0"/>
+              <a:t>PC</a:t>
+            </a:r>
+            <a:r>
+              <a:rPr lang="ko-KR" altLang="en-US" sz="1600"/>
+              <a:t>기준으로 개발</a:t>
+            </a:r>
+            <a:endParaRPr lang="en-US" altLang="ko-KR" sz="1600" dirty="0"/>
+          </a:p>
+          <a:p>
+            <a:pPr marL="342900" indent="-342900">
+              <a:buAutoNum type="arabicPeriod"/>
+            </a:pPr>
+            <a:endParaRPr lang="ko-KR" altLang="en-US" sz="1600" dirty="0"/>
           </a:p>
         </p:txBody>
       </p:sp>
     </p:spTree>
     <p:extLst>
       <p:ext uri="{BB962C8B-B14F-4D97-AF65-F5344CB8AC3E}">
-        <p14:creationId xmlns:p14="http://schemas.microsoft.com/office/powerpoint/2010/main" val="3367539586"/>
+        <p14:creationId xmlns:p14="http://schemas.microsoft.com/office/powerpoint/2010/main" val="3211519434"/>
       </p:ext>
     </p:extLst>
   </p:cSld>
@@ -6244,16 +6510,17 @@
           <a:p>
             <a:pPr algn="ctr"/>
             <a:r>
-              <a:rPr lang="ko-KR" altLang="en-US" sz="3200" dirty="0"/>
-              <a:t>기타</a:t>
-            </a:r>
+              <a:rPr lang="ko-KR" altLang="en-US" sz="3200"/>
+              <a:t>캐릭터 설정</a:t>
+            </a:r>
+            <a:endParaRPr lang="ko-KR" altLang="en-US" sz="3200" dirty="0"/>
           </a:p>
         </p:txBody>
       </p:sp>
     </p:spTree>
     <p:extLst>
       <p:ext uri="{BB962C8B-B14F-4D97-AF65-F5344CB8AC3E}">
-        <p14:creationId xmlns:p14="http://schemas.microsoft.com/office/powerpoint/2010/main" val="2245151811"/>
+        <p14:creationId xmlns:p14="http://schemas.microsoft.com/office/powerpoint/2010/main" val="3367539586"/>
       </p:ext>
     </p:extLst>
   </p:cSld>
